--- a/2024-Q4/2024-12-08/2024-12-08-Psalms.pptx
+++ b/2024-Q4/2024-12-08/2024-12-08-Psalms.pptx
@@ -286,7 +286,7 @@
               <a:pPr>
                 <a:defRPr/>
               </a:pPr>
-              <a:t>12/7/2024</a:t>
+              <a:t>12/8/2024</a:t>
             </a:fld>
             <a:endParaRPr lang="en-US"/>
           </a:p>
@@ -778,7 +778,7 @@
         <p:spPr/>
         <p:txBody>
           <a:bodyPr>
-            <a:normAutofit/>
+            <a:normAutofit fontScale="92500" lnSpcReduction="10000"/>
           </a:bodyPr>
           <a:lstStyle/>
           <a:p>
@@ -1125,7 +1125,7 @@
         <p:spPr/>
         <p:txBody>
           <a:bodyPr>
-            <a:normAutofit/>
+            <a:normAutofit lnSpcReduction="10000"/>
           </a:bodyPr>
           <a:lstStyle/>
           <a:p>
@@ -1994,7 +1994,7 @@
         <p:spPr/>
         <p:txBody>
           <a:bodyPr>
-            <a:normAutofit/>
+            <a:normAutofit lnSpcReduction="10000"/>
           </a:bodyPr>
           <a:lstStyle/>
           <a:p>
@@ -2212,7 +2212,7 @@
         <p:spPr/>
         <p:txBody>
           <a:bodyPr>
-            <a:normAutofit fontScale="92500" lnSpcReduction="10000"/>
+            <a:normAutofit fontScale="77500" lnSpcReduction="20000"/>
           </a:bodyPr>
           <a:lstStyle/>
           <a:p>
@@ -4647,7 +4647,19 @@
               <a:rPr lang="en-US" i="1" dirty="0">
                 <a:latin typeface="+mn-lt"/>
               </a:rPr>
-              <a:t>(Parable of the Sheep and the Goats : Jesus teaches about a future judgement where people’s eternal destinies are determined by their response to Him and how they treated others.)</a:t>
+              <a:t>(</a:t>
+            </a:r>
+            <a:r>
+              <a:rPr lang="en-US" i="1" u="sng" dirty="0">
+                <a:latin typeface="+mn-lt"/>
+              </a:rPr>
+              <a:t>Parable of the Sheep and the Goats </a:t>
+            </a:r>
+            <a:r>
+              <a:rPr lang="en-US" i="1" dirty="0">
+                <a:latin typeface="+mn-lt"/>
+              </a:rPr>
+              <a:t>: Jesus teaches about a future judgement where people’s eternal destinies are determined by their response to Him and how they treated others.)</a:t>
             </a:r>
           </a:p>
           <a:p>
@@ -4666,7 +4678,19 @@
               <a:rPr lang="en-US" i="1" dirty="0">
                 <a:latin typeface="+mn-lt"/>
               </a:rPr>
-              <a:t>And Jesus said to him, "Assuredly, I say to you, today you will be with Me in Paradise." </a:t>
+              <a:t>And Jesus said to him, "Assuredly, I say to you, </a:t>
+            </a:r>
+            <a:r>
+              <a:rPr lang="en-US" i="1" u="sng" dirty="0">
+                <a:latin typeface="+mn-lt"/>
+              </a:rPr>
+              <a:t>today you will be with Me</a:t>
+            </a:r>
+            <a:r>
+              <a:rPr lang="en-US" i="1" dirty="0">
+                <a:latin typeface="+mn-lt"/>
+              </a:rPr>
+              <a:t> in Paradise." </a:t>
             </a:r>
           </a:p>
           <a:p>
@@ -4685,7 +4709,19 @@
               <a:rPr lang="en-US" i="1" dirty="0">
                 <a:latin typeface="+mn-lt"/>
               </a:rPr>
-              <a:t>Let not your heart be troubled; you believe in God, believe also in Me. In My Father's house are many mansions; if it were not so, I would have told you. I go to prepare a place for you. And if I go and prepare a place for you, I will come again and receive you to Myself; that where I am, there you may be also. </a:t>
+              <a:t>Let not your heart be troubled; you believe in God, believe also in Me. In My Father's house are many mansions; if it were not so, I would have told you. </a:t>
+            </a:r>
+            <a:r>
+              <a:rPr lang="en-US" i="1" u="sng" dirty="0">
+                <a:latin typeface="+mn-lt"/>
+              </a:rPr>
+              <a:t>I go to prepare a place for you</a:t>
+            </a:r>
+            <a:r>
+              <a:rPr lang="en-US" i="1" dirty="0">
+                <a:latin typeface="+mn-lt"/>
+              </a:rPr>
+              <a:t>. And if I go and prepare a place for you, I will come again and receive you to Myself; that where I am, there you may be also. </a:t>
             </a:r>
           </a:p>
           <a:p>
@@ -4704,7 +4740,19 @@
               <a:rPr lang="en-US" i="1" dirty="0">
                 <a:latin typeface="+mn-lt"/>
               </a:rPr>
-              <a:t>(Paul discusses the resurrection of the dead the imperishable body believers will inherit, affirming eternal life beyond death.)</a:t>
+              <a:t>(Paul discusses the resurrection of the dead the imperishable body believers will inherit, </a:t>
+            </a:r>
+            <a:r>
+              <a:rPr lang="en-US" i="1" u="sng" dirty="0">
+                <a:latin typeface="+mn-lt"/>
+              </a:rPr>
+              <a:t>affirming eternal life beyond death</a:t>
+            </a:r>
+            <a:r>
+              <a:rPr lang="en-US" i="1" dirty="0">
+                <a:latin typeface="+mn-lt"/>
+              </a:rPr>
+              <a:t>.)</a:t>
             </a:r>
           </a:p>
           <a:p>
@@ -4723,7 +4771,19 @@
               <a:rPr lang="en-US" i="1" dirty="0">
                 <a:latin typeface="+mn-lt"/>
               </a:rPr>
-              <a:t>For our citizenship is in heaven, from which we also eagerly wait for the Savior, the Lord Jesus Christ, who will transform our lowly body that it may be conformed to His glorious body, according to the working by which He is able even to subdue all things to Himself. </a:t>
+              <a:t>For </a:t>
+            </a:r>
+            <a:r>
+              <a:rPr lang="en-US" i="1" u="sng" dirty="0">
+                <a:latin typeface="+mn-lt"/>
+              </a:rPr>
+              <a:t>our citizenship is in heaven</a:t>
+            </a:r>
+            <a:r>
+              <a:rPr lang="en-US" i="1" dirty="0">
+                <a:latin typeface="+mn-lt"/>
+              </a:rPr>
+              <a:t>, from which we also eagerly wait for the Savior, the Lord Jesus Christ, who will transform our lowly body that it may be conformed to His glorious body, according to the working by which He is able even to subdue all things to Himself. </a:t>
             </a:r>
           </a:p>
           <a:p>
@@ -7436,7 +7496,7 @@
           </a:p>
           <a:p>
             <a:r>
-              <a:rPr lang="en-US" i="1" dirty="0">
+              <a:rPr lang="en-US" b="1" i="1" dirty="0">
                 <a:latin typeface="+mn-lt"/>
               </a:rPr>
               <a:t>Acts 17:24-26  </a:t>
@@ -7461,7 +7521,7 @@
           </a:p>
           <a:p>
             <a:r>
-              <a:rPr lang="en-US" i="1" dirty="0">
+              <a:rPr lang="en-US" b="1" i="1" dirty="0">
                 <a:latin typeface="+mn-lt"/>
               </a:rPr>
               <a:t>Colossians 1:16-17  </a:t>
@@ -10820,7 +10880,19 @@
               <a:rPr lang="en-US" i="1" dirty="0">
                 <a:latin typeface="+mn-lt"/>
               </a:rPr>
-              <a:t>(Sermon on the Mount : Jesus’ most comprehensive moral instruction; teaching on humility, righteousness, love for enemies, purity, integrity, and trusting God – provides an ethical framework that goes beyond conformity to internal transformation.)</a:t>
+              <a:t>(</a:t>
+            </a:r>
+            <a:r>
+              <a:rPr lang="en-US" i="1" u="sng" dirty="0">
+                <a:latin typeface="+mn-lt"/>
+              </a:rPr>
+              <a:t>Sermon on the Mount </a:t>
+            </a:r>
+            <a:r>
+              <a:rPr lang="en-US" i="1" dirty="0">
+                <a:latin typeface="+mn-lt"/>
+              </a:rPr>
+              <a:t>: Jesus’ most comprehensive moral instruction; teaching on humility, righteousness, love for enemies, purity, integrity, and trusting God – provides an ethical framework that goes beyond conformity to internal transformation.)</a:t>
             </a:r>
           </a:p>
           <a:p>
@@ -10839,7 +10911,19 @@
               <a:rPr lang="en-US" i="1" dirty="0">
                 <a:latin typeface="+mn-lt"/>
               </a:rPr>
-              <a:t>And the second, like it, is this: 'YOU SHALL LOVE YOUR NEIGHBOR AS YOURSELF.' There is no other commandment greater than these." </a:t>
+              <a:t>And the second, like it, is this: 'YOU SHALL LOVE YOUR NEIGHBOR AS YOURSELF.' </a:t>
+            </a:r>
+            <a:r>
+              <a:rPr lang="en-US" i="1" u="sng" dirty="0">
+                <a:latin typeface="+mn-lt"/>
+              </a:rPr>
+              <a:t>There is no other commandment greater than these</a:t>
+            </a:r>
+            <a:r>
+              <a:rPr lang="en-US" i="1" dirty="0">
+                <a:latin typeface="+mn-lt"/>
+              </a:rPr>
+              <a:t>." </a:t>
             </a:r>
           </a:p>
           <a:p>
@@ -10858,7 +10942,19 @@
               <a:rPr lang="en-US" i="1" dirty="0">
                 <a:latin typeface="+mn-lt"/>
               </a:rPr>
-              <a:t>(Parable of the Good Samaritan : Jesus uses this parable to redefine who our “neighbor” is an exhorts compassionate, sacrificial love as the highest more responsibility.)</a:t>
+              <a:t>(</a:t>
+            </a:r>
+            <a:r>
+              <a:rPr lang="en-US" i="1" u="sng" dirty="0">
+                <a:latin typeface="+mn-lt"/>
+              </a:rPr>
+              <a:t>Parable of the Good Samaritan </a:t>
+            </a:r>
+            <a:r>
+              <a:rPr lang="en-US" i="1" dirty="0">
+                <a:latin typeface="+mn-lt"/>
+              </a:rPr>
+              <a:t>: Jesus uses this parable to redefine who our “neighbor” is and exhorts compassionate, sacrificial love as the highest moral responsibility.)</a:t>
             </a:r>
           </a:p>
           <a:p>
@@ -10874,10 +10970,16 @@
               <a:t>John 13:34-35  </a:t>
             </a:r>
             <a:r>
+              <a:rPr lang="en-US" i="1" u="sng" dirty="0">
+                <a:latin typeface="+mn-lt"/>
+              </a:rPr>
+              <a:t>A new commandment I give to you, that you love one another</a:t>
+            </a:r>
+            <a:r>
               <a:rPr lang="en-US" i="1" dirty="0">
                 <a:latin typeface="+mn-lt"/>
               </a:rPr>
-              <a:t>A new commandment I give to you, that you love one another; as I have loved you, that you also love one another. By this all will know that you are My disciples, if you have love for one another. </a:t>
+              <a:t>; as I have loved you, that you also love one another. By this all will know that you are My disciples, if you have love for one another. </a:t>
             </a:r>
           </a:p>
           <a:p>
@@ -10896,7 +10998,19 @@
               <a:rPr lang="en-US" i="1" dirty="0">
                 <a:latin typeface="+mn-lt"/>
               </a:rPr>
-              <a:t>I beseech you therefore, brethren, by the mercies of God, that you present your bodies a living sacrifice, holy, acceptable to God, which is your reasonable service. And do not be conformed to this world, but be transformed by the renewing of your mind, that you may prove what is that good and acceptable and perfect will of God. </a:t>
+              <a:t>I beseech you therefore, brethren, by the mercies of God, that you present your bodies a living sacrifice, holy, acceptable to God, which is your reasonable service. And do not be conformed to this world, </a:t>
+            </a:r>
+            <a:r>
+              <a:rPr lang="en-US" i="1" u="sng" dirty="0">
+                <a:latin typeface="+mn-lt"/>
+              </a:rPr>
+              <a:t>but be transformed by the renewing of your mind, that you may prove what is that good and acceptable and perfect will of God</a:t>
+            </a:r>
+            <a:r>
+              <a:rPr lang="en-US" i="1" dirty="0">
+                <a:latin typeface="+mn-lt"/>
+              </a:rPr>
+              <a:t>. </a:t>
             </a:r>
             <a:endParaRPr lang="en-US" i="1" dirty="0"/>
           </a:p>
